--- a/presentations/2015-03 CSIRO/FHIR Terminology Tutorial.pptx
+++ b/presentations/2015-03 CSIRO/FHIR Terminology Tutorial.pptx
@@ -333,7 +333,7 @@
           <a:p>
             <a:fld id="{858EAA1F-D2A3-43E2-9792-DA5F4B4E8751}" type="datetimeFigureOut">
               <a:rPr lang="en-AU" smtClean="0"/>
-              <a:t>4/06/2015</a:t>
+              <a:t>26/03/2015</a:t>
             </a:fld>
             <a:endParaRPr lang="en-AU"/>
           </a:p>
@@ -503,7 +503,7 @@
           <a:p>
             <a:fld id="{858EAA1F-D2A3-43E2-9792-DA5F4B4E8751}" type="datetimeFigureOut">
               <a:rPr lang="en-AU" smtClean="0"/>
-              <a:t>4/06/2015</a:t>
+              <a:t>26/03/2015</a:t>
             </a:fld>
             <a:endParaRPr lang="en-AU"/>
           </a:p>
@@ -683,7 +683,7 @@
           <a:p>
             <a:fld id="{858EAA1F-D2A3-43E2-9792-DA5F4B4E8751}" type="datetimeFigureOut">
               <a:rPr lang="en-AU" smtClean="0"/>
-              <a:t>4/06/2015</a:t>
+              <a:t>26/03/2015</a:t>
             </a:fld>
             <a:endParaRPr lang="en-AU"/>
           </a:p>
@@ -853,7 +853,7 @@
           <a:p>
             <a:fld id="{858EAA1F-D2A3-43E2-9792-DA5F4B4E8751}" type="datetimeFigureOut">
               <a:rPr lang="en-AU" smtClean="0"/>
-              <a:t>4/06/2015</a:t>
+              <a:t>26/03/2015</a:t>
             </a:fld>
             <a:endParaRPr lang="en-AU"/>
           </a:p>
@@ -1099,7 +1099,7 @@
           <a:p>
             <a:fld id="{858EAA1F-D2A3-43E2-9792-DA5F4B4E8751}" type="datetimeFigureOut">
               <a:rPr lang="en-AU" smtClean="0"/>
-              <a:t>4/06/2015</a:t>
+              <a:t>26/03/2015</a:t>
             </a:fld>
             <a:endParaRPr lang="en-AU"/>
           </a:p>
@@ -1387,7 +1387,7 @@
           <a:p>
             <a:fld id="{858EAA1F-D2A3-43E2-9792-DA5F4B4E8751}" type="datetimeFigureOut">
               <a:rPr lang="en-AU" smtClean="0"/>
-              <a:t>4/06/2015</a:t>
+              <a:t>26/03/2015</a:t>
             </a:fld>
             <a:endParaRPr lang="en-AU"/>
           </a:p>
@@ -1809,7 +1809,7 @@
           <a:p>
             <a:fld id="{858EAA1F-D2A3-43E2-9792-DA5F4B4E8751}" type="datetimeFigureOut">
               <a:rPr lang="en-AU" smtClean="0"/>
-              <a:t>4/06/2015</a:t>
+              <a:t>26/03/2015</a:t>
             </a:fld>
             <a:endParaRPr lang="en-AU"/>
           </a:p>
@@ -1927,7 +1927,7 @@
           <a:p>
             <a:fld id="{858EAA1F-D2A3-43E2-9792-DA5F4B4E8751}" type="datetimeFigureOut">
               <a:rPr lang="en-AU" smtClean="0"/>
-              <a:t>4/06/2015</a:t>
+              <a:t>26/03/2015</a:t>
             </a:fld>
             <a:endParaRPr lang="en-AU"/>
           </a:p>
@@ -2022,7 +2022,7 @@
           <a:p>
             <a:fld id="{858EAA1F-D2A3-43E2-9792-DA5F4B4E8751}" type="datetimeFigureOut">
               <a:rPr lang="en-AU" smtClean="0"/>
-              <a:t>4/06/2015</a:t>
+              <a:t>26/03/2015</a:t>
             </a:fld>
             <a:endParaRPr lang="en-AU"/>
           </a:p>
@@ -2299,7 +2299,7 @@
           <a:p>
             <a:fld id="{858EAA1F-D2A3-43E2-9792-DA5F4B4E8751}" type="datetimeFigureOut">
               <a:rPr lang="en-AU" smtClean="0"/>
-              <a:t>4/06/2015</a:t>
+              <a:t>26/03/2015</a:t>
             </a:fld>
             <a:endParaRPr lang="en-AU"/>
           </a:p>
@@ -2552,7 +2552,7 @@
           <a:p>
             <a:fld id="{858EAA1F-D2A3-43E2-9792-DA5F4B4E8751}" type="datetimeFigureOut">
               <a:rPr lang="en-AU" smtClean="0"/>
-              <a:t>4/06/2015</a:t>
+              <a:t>26/03/2015</a:t>
             </a:fld>
             <a:endParaRPr lang="en-AU"/>
           </a:p>
@@ -2765,7 +2765,7 @@
           <a:p>
             <a:fld id="{858EAA1F-D2A3-43E2-9792-DA5F4B4E8751}" type="datetimeFigureOut">
               <a:rPr lang="en-AU" smtClean="0"/>
-              <a:t>4/06/2015</a:t>
+              <a:t>26/03/2015</a:t>
             </a:fld>
             <a:endParaRPr lang="en-AU"/>
           </a:p>
@@ -3186,17 +3186,15 @@
           <a:p>
             <a:r>
               <a:rPr lang="en-AU" dirty="0" smtClean="0"/>
-              <a:t>6 June 2015</a:t>
+              <a:t>26 March 2015</a:t>
             </a:r>
             <a:endParaRPr lang="en-AU" dirty="0" smtClean="0"/>
           </a:p>
           <a:p>
             <a:r>
               <a:rPr lang="en-AU" dirty="0" smtClean="0"/>
-              <a:t>NEHTA</a:t>
-            </a:r>
-          </a:p>
-          <a:p>
+              <a:t>CSIRO</a:t>
+            </a:r>
             <a:endParaRPr lang="en-AU" dirty="0"/>
           </a:p>
         </p:txBody>
